--- a/Netzwerk.pptx
+++ b/Netzwerk.pptx
@@ -5873,7 +5873,7 @@
         <p:spPr>
           <a:xfrm>
             <a:off x="2771800" y="5013176"/>
-            <a:ext cx="6120680" cy="0"/>
+            <a:ext cx="3024336" cy="0"/>
           </a:xfrm>
           <a:prstGeom prst="line">
             <a:avLst/>
@@ -27873,6 +27873,36 @@
           </a:p>
         </p:txBody>
       </p:sp>
+      <p:cxnSp>
+        <p:nvCxnSpPr>
+          <p:cNvPr id="1009" name="Gerade Verbindung 1008"/>
+          <p:cNvCxnSpPr/>
+          <p:nvPr/>
+        </p:nvCxnSpPr>
+        <p:spPr>
+          <a:xfrm flipV="1">
+            <a:off x="5796136" y="4293096"/>
+            <a:ext cx="0" cy="792088"/>
+          </a:xfrm>
+          <a:prstGeom prst="line">
+            <a:avLst/>
+          </a:prstGeom>
+        </p:spPr>
+        <p:style>
+          <a:lnRef idx="1">
+            <a:schemeClr val="dk1"/>
+          </a:lnRef>
+          <a:fillRef idx="0">
+            <a:schemeClr val="dk1"/>
+          </a:fillRef>
+          <a:effectRef idx="0">
+            <a:schemeClr val="dk1"/>
+          </a:effectRef>
+          <a:fontRef idx="minor">
+            <a:schemeClr val="tx1"/>
+          </a:fontRef>
+        </p:style>
+      </p:cxnSp>
     </p:spTree>
   </p:cSld>
   <p:clrMapOvr>
